--- a/doc/20 años haciendo web.pptx
+++ b/doc/20 años haciendo web.pptx
@@ -12,8 +12,8 @@
     <p:sldId id="264" r:id="rId6"/>
     <p:sldId id="263" r:id="rId7"/>
     <p:sldId id="262" r:id="rId8"/>
-    <p:sldId id="260" r:id="rId9"/>
-    <p:sldId id="261" r:id="rId10"/>
+    <p:sldId id="267" r:id="rId9"/>
+    <p:sldId id="268" r:id="rId10"/>
   </p:sldIdLst>
   <p:sldSz cx="12192000" cy="6858000"/>
   <p:notesSz cx="6858000" cy="9144000"/>
@@ -215,7 +215,7 @@
           <a:effectLst/>
           <a:extLst>
             <a:ext uri="{91240B29-F687-4f45-9708-019B960494DF}">
-              <a14:hiddenLine xmlns:a14="http://schemas.microsoft.com/office/drawing/2010/main" xmlns="" w="9525">
+              <a14:hiddenLine xmlns="" xmlns:a14="http://schemas.microsoft.com/office/drawing/2010/main" w="9525">
                 <a:solidFill>
                   <a:srgbClr val="000000"/>
                 </a:solidFill>
@@ -1725,7 +1725,7 @@
           <a:ln/>
           <a:extLst>
             <a:ext uri="{91240B29-F687-4f45-9708-019B960494DF}">
-              <a14:hiddenLine xmlns:a14="http://schemas.microsoft.com/office/drawing/2010/main" xmlns="" w="9525">
+              <a14:hiddenLine xmlns="" xmlns:a14="http://schemas.microsoft.com/office/drawing/2010/main" w="9525">
                 <a:solidFill>
                   <a:srgbClr val="000000"/>
                 </a:solidFill>
@@ -1997,7 +1997,7 @@
           <a:ln/>
           <a:extLst>
             <a:ext uri="{91240B29-F687-4f45-9708-019B960494DF}">
-              <a14:hiddenLine xmlns:a14="http://schemas.microsoft.com/office/drawing/2010/main" xmlns="" w="9525">
+              <a14:hiddenLine xmlns="" xmlns:a14="http://schemas.microsoft.com/office/drawing/2010/main" w="9525">
                 <a:solidFill>
                   <a:srgbClr val="000000"/>
                 </a:solidFill>
@@ -2277,7 +2277,7 @@
           <a:ln/>
           <a:extLst>
             <a:ext uri="{91240B29-F687-4f45-9708-019B960494DF}">
-              <a14:hiddenLine xmlns:a14="http://schemas.microsoft.com/office/drawing/2010/main" xmlns="" w="9525">
+              <a14:hiddenLine xmlns="" xmlns:a14="http://schemas.microsoft.com/office/drawing/2010/main" w="9525">
                 <a:solidFill>
                   <a:srgbClr val="000000"/>
                 </a:solidFill>
@@ -2897,7 +2897,7 @@
           <a:ln/>
           <a:extLst>
             <a:ext uri="{91240B29-F687-4f45-9708-019B960494DF}">
-              <a14:hiddenLine xmlns:a14="http://schemas.microsoft.com/office/drawing/2010/main" xmlns="" w="9525">
+              <a14:hiddenLine xmlns="" xmlns:a14="http://schemas.microsoft.com/office/drawing/2010/main" w="9525">
                 <a:solidFill>
                   <a:srgbClr val="000000"/>
                 </a:solidFill>
@@ -3233,7 +3233,7 @@
           <a:ln/>
           <a:extLst>
             <a:ext uri="{91240B29-F687-4f45-9708-019B960494DF}">
-              <a14:hiddenLine xmlns:a14="http://schemas.microsoft.com/office/drawing/2010/main" xmlns="" w="9525">
+              <a14:hiddenLine xmlns="" xmlns:a14="http://schemas.microsoft.com/office/drawing/2010/main" w="9525">
                 <a:solidFill>
                   <a:srgbClr val="000000"/>
                 </a:solidFill>
@@ -3707,7 +3707,7 @@
           <a:ln/>
           <a:extLst>
             <a:ext uri="{91240B29-F687-4f45-9708-019B960494DF}">
-              <a14:hiddenLine xmlns:a14="http://schemas.microsoft.com/office/drawing/2010/main" xmlns="" w="9525">
+              <a14:hiddenLine xmlns="" xmlns:a14="http://schemas.microsoft.com/office/drawing/2010/main" w="9525">
                 <a:solidFill>
                   <a:srgbClr val="000000"/>
                 </a:solidFill>
@@ -4130,7 +4130,7 @@
           <a:ln/>
           <a:extLst>
             <a:ext uri="{91240B29-F687-4f45-9708-019B960494DF}">
-              <a14:hiddenLine xmlns:a14="http://schemas.microsoft.com/office/drawing/2010/main" xmlns="" w="9525">
+              <a14:hiddenLine xmlns="" xmlns:a14="http://schemas.microsoft.com/office/drawing/2010/main" w="9525">
                 <a:solidFill>
                   <a:srgbClr val="000000"/>
                 </a:solidFill>
@@ -5815,6 +5815,14 @@
               <a:rPr lang="es-ES" sz="4000" dirty="0" err="1"/>
               <a:t>frameworks</a:t>
             </a:r>
+            <a:r>
+              <a:rPr lang="es-ES" sz="4000" dirty="0"/>
+              <a:t>. La documentación lo </a:t>
+            </a:r>
+            <a:r>
+              <a:rPr lang="es-ES" sz="4000"/>
+              <a:t>aguanta todo.</a:t>
+            </a:r>
             <a:endParaRPr lang="es-ES" sz="4000" dirty="0"/>
           </a:p>
         </p:txBody>
@@ -5851,25 +5859,6 @@
       </p:grpSpPr>
       <p:sp>
         <p:nvSpPr>
-          <p:cNvPr id="2" name="Título 1"/>
-          <p:cNvSpPr>
-            <a:spLocks noGrp="1"/>
-          </p:cNvSpPr>
-          <p:nvPr>
-            <p:ph type="title"/>
-          </p:nvPr>
-        </p:nvSpPr>
-        <p:spPr/>
-        <p:txBody>
-          <a:bodyPr/>
-          <a:lstStyle/>
-          <a:p>
-            <a:endParaRPr lang="es-ES"/>
-          </a:p>
-        </p:txBody>
-      </p:sp>
-      <p:sp>
-        <p:nvSpPr>
           <p:cNvPr id="3" name="Marcador de contenido 2"/>
           <p:cNvSpPr>
             <a:spLocks noGrp="1"/>
@@ -5940,7 +5929,13 @@
       </p:grpSpPr>
       <p:sp>
         <p:nvSpPr>
-          <p:cNvPr id="3" name="Marcador de contenido 2"/>
+          <p:cNvPr id="3" name="Marcador de contenido 2">
+            <a:extLst>
+              <a:ext uri="{FF2B5EF4-FFF2-40B4-BE49-F238E27FC236}">
+                <a16:creationId xmlns:a16="http://schemas.microsoft.com/office/drawing/2014/main" id="{C646CF1C-D564-4C16-96CF-E7A47B18A337}"/>
+              </a:ext>
+            </a:extLst>
+          </p:cNvPr>
           <p:cNvSpPr>
             <a:spLocks noGrp="1"/>
           </p:cNvSpPr>
@@ -5960,15 +5955,24 @@
             </a:pPr>
             <a:r>
               <a:rPr lang="es-ES" sz="4000" dirty="0"/>
-              <a:t>No sobrevivirán los más grandes, ni los más listos. Sobrevivirán los más rápidos</a:t>
-            </a:r>
+              <a:t>Mira el código de los </a:t>
+            </a:r>
+            <a:r>
+              <a:rPr lang="es-ES" sz="4000" dirty="0" err="1"/>
+              <a:t>frameworks</a:t>
+            </a:r>
+            <a:r>
+              <a:rPr lang="es-ES" sz="4000" dirty="0"/>
+              <a:t>. Aprenderás mucho.</a:t>
+            </a:r>
+            <a:endParaRPr lang="en-GB" sz="4000" dirty="0"/>
           </a:p>
         </p:txBody>
       </p:sp>
     </p:spTree>
     <p:extLst>
       <p:ext uri="{BB962C8B-B14F-4D97-AF65-F5344CB8AC3E}">
-        <p14:creationId xmlns:p14="http://schemas.microsoft.com/office/powerpoint/2010/main" val="2437188076"/>
+        <p14:creationId xmlns:p14="http://schemas.microsoft.com/office/powerpoint/2010/main" val="3856199412"/>
       </p:ext>
     </p:extLst>
   </p:cSld>
@@ -5997,7 +6001,13 @@
       </p:grpSpPr>
       <p:sp>
         <p:nvSpPr>
-          <p:cNvPr id="3" name="Marcador de contenido 2"/>
+          <p:cNvPr id="3" name="Marcador de contenido 2">
+            <a:extLst>
+              <a:ext uri="{FF2B5EF4-FFF2-40B4-BE49-F238E27FC236}">
+                <a16:creationId xmlns:a16="http://schemas.microsoft.com/office/drawing/2014/main" id="{D927A5CF-414F-465C-A2D7-D7DCC35863F8}"/>
+              </a:ext>
+            </a:extLst>
+          </p:cNvPr>
           <p:cNvSpPr>
             <a:spLocks noGrp="1"/>
           </p:cNvSpPr>
@@ -6017,23 +6027,16 @@
             </a:pPr>
             <a:r>
               <a:rPr lang="es-ES" sz="4000" dirty="0"/>
-              <a:t>Ser rápidos en tomar decisiones. El código nunca será perfecto. Los </a:t>
-            </a:r>
-            <a:r>
-              <a:rPr lang="es-ES" sz="4000" dirty="0" err="1"/>
-              <a:t>frameworks</a:t>
-            </a:r>
-            <a:r>
-              <a:rPr lang="es-ES" sz="4000" dirty="0"/>
-              <a:t> no son eternos</a:t>
-            </a:r>
+              <a:t>Intenta tener una visión de conjunto del proyecto.</a:t>
+            </a:r>
+            <a:endParaRPr lang="en-GB" sz="4000" dirty="0"/>
           </a:p>
         </p:txBody>
       </p:sp>
     </p:spTree>
     <p:extLst>
       <p:ext uri="{BB962C8B-B14F-4D97-AF65-F5344CB8AC3E}">
-        <p14:creationId xmlns:p14="http://schemas.microsoft.com/office/powerpoint/2010/main" val="3367008291"/>
+        <p14:creationId xmlns:p14="http://schemas.microsoft.com/office/powerpoint/2010/main" val="4117380826"/>
       </p:ext>
     </p:extLst>
   </p:cSld>
